--- a/Presentation1.pptx
+++ b/Presentation1.pptx
@@ -5,8 +5,7 @@
     <p:sldMasterId id="2147483699" r:id="rId1"/>
   </p:sldMasterIdLst>
   <p:sldIdLst>
-    <p:sldId id="256" r:id="rId2"/>
-    <p:sldId id="257" r:id="rId3"/>
+    <p:sldId id="257" r:id="rId2"/>
   </p:sldIdLst>
   <p:sldSz cx="12192000" cy="6858000"/>
   <p:notesSz cx="6858000" cy="9144000"/>
@@ -105,6 +104,11 @@
       </a:defRPr>
     </a:lvl9pPr>
   </p:defaultTextStyle>
+  <p:extLst>
+    <p:ext uri="{EFAFB233-063F-42B5-8137-9DF3F51BA10A}">
+      <p15:sldGuideLst xmlns:p15="http://schemas.microsoft.com/office/powerpoint/2012/main"/>
+    </p:ext>
+  </p:extLst>
 </p:presentation>
 </file>
 
@@ -299,7 +303,7 @@
           <a:p>
             <a:fld id="{2CB48317-99C1-4883-ACF5-940837CD270B}" type="datetimeFigureOut">
               <a:rPr lang="en-GB" smtClean="0"/>
-              <a:t>26/11/2019</a:t>
+              <a:t>25/04/2020</a:t>
             </a:fld>
             <a:endParaRPr lang="en-GB"/>
           </a:p>
@@ -735,7 +739,7 @@
           <a:p>
             <a:fld id="{2CB48317-99C1-4883-ACF5-940837CD270B}" type="datetimeFigureOut">
               <a:rPr lang="en-GB" smtClean="0"/>
-              <a:t>26/11/2019</a:t>
+              <a:t>25/04/2020</a:t>
             </a:fld>
             <a:endParaRPr lang="en-GB"/>
           </a:p>
@@ -985,7 +989,7 @@
           <a:p>
             <a:fld id="{2CB48317-99C1-4883-ACF5-940837CD270B}" type="datetimeFigureOut">
               <a:rPr lang="en-GB" smtClean="0"/>
-              <a:t>26/11/2019</a:t>
+              <a:t>25/04/2020</a:t>
             </a:fld>
             <a:endParaRPr lang="en-GB"/>
           </a:p>
@@ -1293,7 +1297,7 @@
           <a:p>
             <a:fld id="{2CB48317-99C1-4883-ACF5-940837CD270B}" type="datetimeFigureOut">
               <a:rPr lang="en-GB" smtClean="0"/>
-              <a:t>26/11/2019</a:t>
+              <a:t>25/04/2020</a:t>
             </a:fld>
             <a:endParaRPr lang="en-GB"/>
           </a:p>
@@ -1611,7 +1615,7 @@
           <a:p>
             <a:fld id="{2CB48317-99C1-4883-ACF5-940837CD270B}" type="datetimeFigureOut">
               <a:rPr lang="en-GB" smtClean="0"/>
-              <a:t>26/11/2019</a:t>
+              <a:t>25/04/2020</a:t>
             </a:fld>
             <a:endParaRPr lang="en-GB"/>
           </a:p>
@@ -1913,7 +1917,7 @@
           <a:p>
             <a:fld id="{2CB48317-99C1-4883-ACF5-940837CD270B}" type="datetimeFigureOut">
               <a:rPr lang="en-GB" smtClean="0"/>
-              <a:t>26/11/2019</a:t>
+              <a:t>25/04/2020</a:t>
             </a:fld>
             <a:endParaRPr lang="en-GB"/>
           </a:p>
@@ -2280,7 +2284,7 @@
           <a:p>
             <a:fld id="{2CB48317-99C1-4883-ACF5-940837CD270B}" type="datetimeFigureOut">
               <a:rPr lang="en-GB" smtClean="0"/>
-              <a:t>26/11/2019</a:t>
+              <a:t>25/04/2020</a:t>
             </a:fld>
             <a:endParaRPr lang="en-GB"/>
           </a:p>
@@ -2454,7 +2458,7 @@
           <a:p>
             <a:fld id="{2CB48317-99C1-4883-ACF5-940837CD270B}" type="datetimeFigureOut">
               <a:rPr lang="en-GB" smtClean="0"/>
-              <a:t>26/11/2019</a:t>
+              <a:t>25/04/2020</a:t>
             </a:fld>
             <a:endParaRPr lang="en-GB"/>
           </a:p>
@@ -2634,7 +2638,7 @@
           <a:p>
             <a:fld id="{2CB48317-99C1-4883-ACF5-940837CD270B}" type="datetimeFigureOut">
               <a:rPr lang="en-GB" smtClean="0"/>
-              <a:t>26/11/2019</a:t>
+              <a:t>25/04/2020</a:t>
             </a:fld>
             <a:endParaRPr lang="en-GB"/>
           </a:p>
@@ -2804,7 +2808,7 @@
           <a:p>
             <a:fld id="{2CB48317-99C1-4883-ACF5-940837CD270B}" type="datetimeFigureOut">
               <a:rPr lang="en-GB" smtClean="0"/>
-              <a:t>26/11/2019</a:t>
+              <a:t>25/04/2020</a:t>
             </a:fld>
             <a:endParaRPr lang="en-GB"/>
           </a:p>
@@ -3054,7 +3058,7 @@
           <a:p>
             <a:fld id="{2CB48317-99C1-4883-ACF5-940837CD270B}" type="datetimeFigureOut">
               <a:rPr lang="en-GB" smtClean="0"/>
-              <a:t>26/11/2019</a:t>
+              <a:t>25/04/2020</a:t>
             </a:fld>
             <a:endParaRPr lang="en-GB"/>
           </a:p>
@@ -3290,7 +3294,7 @@
           <a:p>
             <a:fld id="{2CB48317-99C1-4883-ACF5-940837CD270B}" type="datetimeFigureOut">
               <a:rPr lang="en-GB" smtClean="0"/>
-              <a:t>26/11/2019</a:t>
+              <a:t>25/04/2020</a:t>
             </a:fld>
             <a:endParaRPr lang="en-GB"/>
           </a:p>
@@ -3672,7 +3676,7 @@
           <a:p>
             <a:fld id="{2CB48317-99C1-4883-ACF5-940837CD270B}" type="datetimeFigureOut">
               <a:rPr lang="en-GB" smtClean="0"/>
-              <a:t>26/11/2019</a:t>
+              <a:t>25/04/2020</a:t>
             </a:fld>
             <a:endParaRPr lang="en-GB"/>
           </a:p>
@@ -3790,7 +3794,7 @@
           <a:p>
             <a:fld id="{2CB48317-99C1-4883-ACF5-940837CD270B}" type="datetimeFigureOut">
               <a:rPr lang="en-GB" smtClean="0"/>
-              <a:t>26/11/2019</a:t>
+              <a:t>25/04/2020</a:t>
             </a:fld>
             <a:endParaRPr lang="en-GB"/>
           </a:p>
@@ -3885,7 +3889,7 @@
           <a:p>
             <a:fld id="{2CB48317-99C1-4883-ACF5-940837CD270B}" type="datetimeFigureOut">
               <a:rPr lang="en-GB" smtClean="0"/>
-              <a:t>26/11/2019</a:t>
+              <a:t>25/04/2020</a:t>
             </a:fld>
             <a:endParaRPr lang="en-GB"/>
           </a:p>
@@ -4140,7 +4144,7 @@
           <a:p>
             <a:fld id="{2CB48317-99C1-4883-ACF5-940837CD270B}" type="datetimeFigureOut">
               <a:rPr lang="en-GB" smtClean="0"/>
-              <a:t>26/11/2019</a:t>
+              <a:t>25/04/2020</a:t>
             </a:fld>
             <a:endParaRPr lang="en-GB"/>
           </a:p>
@@ -4423,7 +4427,7 @@
           <a:p>
             <a:fld id="{2CB48317-99C1-4883-ACF5-940837CD270B}" type="datetimeFigureOut">
               <a:rPr lang="en-GB" smtClean="0"/>
-              <a:t>26/11/2019</a:t>
+              <a:t>25/04/2020</a:t>
             </a:fld>
             <a:endParaRPr lang="en-GB"/>
           </a:p>
@@ -4829,7 +4833,7 @@
           <a:p>
             <a:fld id="{2CB48317-99C1-4883-ACF5-940837CD270B}" type="datetimeFigureOut">
               <a:rPr lang="en-GB" smtClean="0"/>
-              <a:t>26/11/2019</a:t>
+              <a:t>25/04/2020</a:t>
             </a:fld>
             <a:endParaRPr lang="en-GB"/>
           </a:p>
@@ -5391,10 +5395,10 @@
       </p:grpSpPr>
       <p:sp useBgFill="1">
         <p:nvSpPr>
-          <p:cNvPr id="17" name="Rectangle 16">
+          <p:cNvPr id="16" name="Rectangle 15">
             <a:extLst>
               <a:ext uri="{FF2B5EF4-FFF2-40B4-BE49-F238E27FC236}">
-                <a16:creationId xmlns:a16="http://schemas.microsoft.com/office/drawing/2014/main" id="{670C3BB1-7FF6-4D43-ADD8-1032EF8EBDEA}"/>
+                <a16:creationId xmlns:a16="http://schemas.microsoft.com/office/drawing/2014/main" id="{108DE2CE-9293-4FE4-8F06-2CDBDB4EA162}"/>
               </a:ext>
               <a:ext uri="{C183D7F6-B498-43B3-948B-1728B52AA6E4}">
                 <adec:decorative xmlns:adec="http://schemas.microsoft.com/office/drawing/2017/decorative" val="1"/>
@@ -5451,1130 +5455,6 @@
       </p:sp>
       <p:sp>
         <p:nvSpPr>
-          <p:cNvPr id="4" name="textruta 3">
-            <a:extLst>
-              <a:ext uri="{FF2B5EF4-FFF2-40B4-BE49-F238E27FC236}">
-                <a16:creationId xmlns:a16="http://schemas.microsoft.com/office/drawing/2014/main" id="{E82BB675-34DE-495C-828F-00421F78DC98}"/>
-              </a:ext>
-            </a:extLst>
-          </p:cNvPr>
-          <p:cNvSpPr txBox="1"/>
-          <p:nvPr/>
-        </p:nvSpPr>
-        <p:spPr>
-          <a:xfrm>
-            <a:off x="5904178" y="2152617"/>
-            <a:ext cx="5411786" cy="3028983"/>
-          </a:xfrm>
-          <a:prstGeom prst="rect">
-            <a:avLst/>
-          </a:prstGeom>
-        </p:spPr>
-        <p:txBody>
-          <a:bodyPr vert="horz" lIns="91440" tIns="45720" rIns="91440" bIns="45720" rtlCol="0" anchor="b">
-            <a:noAutofit/>
-          </a:bodyPr>
-          <a:lstStyle/>
-          <a:p>
-            <a:pPr algn="ctr">
-              <a:spcBef>
-                <a:spcPct val="0"/>
-              </a:spcBef>
-              <a:spcAft>
-                <a:spcPts val="600"/>
-              </a:spcAft>
-            </a:pPr>
-            <a:r>
-              <a:rPr lang="en-US" sz="8000" kern="1200" cap="all" dirty="0" err="1">
-                <a:ln w="3175" cmpd="sng">
-                  <a:noFill/>
-                </a:ln>
-                <a:effectLst/>
-                <a:latin typeface="Agency FB" panose="020B0503020202020204" pitchFamily="34" charset="0"/>
-                <a:ea typeface="+mj-ea"/>
-                <a:cs typeface="+mj-cs"/>
-              </a:rPr>
-              <a:t>Swaglords</a:t>
-            </a:r>
-            <a:r>
-              <a:rPr lang="en-US" sz="8000" kern="1200" cap="all" dirty="0">
-                <a:ln w="3175" cmpd="sng">
-                  <a:noFill/>
-                </a:ln>
-                <a:solidFill>
-                  <a:schemeClr val="tx1"/>
-                </a:solidFill>
-                <a:effectLst/>
-                <a:latin typeface="Agency FB" panose="020B0503020202020204" pitchFamily="34" charset="0"/>
-                <a:ea typeface="+mj-ea"/>
-                <a:cs typeface="+mj-cs"/>
-              </a:rPr>
-              <a:t> </a:t>
-            </a:r>
-          </a:p>
-          <a:p>
-            <a:pPr algn="ctr">
-              <a:spcBef>
-                <a:spcPct val="0"/>
-              </a:spcBef>
-              <a:spcAft>
-                <a:spcPts val="600"/>
-              </a:spcAft>
-            </a:pPr>
-            <a:r>
-              <a:rPr lang="en-US" sz="8000" kern="1200" cap="all" dirty="0">
-                <a:ln w="3175" cmpd="sng">
-                  <a:noFill/>
-                </a:ln>
-                <a:solidFill>
-                  <a:schemeClr val="accent3"/>
-                </a:solidFill>
-                <a:effectLst/>
-                <a:latin typeface="Agency FB" panose="020B0503020202020204" pitchFamily="34" charset="0"/>
-                <a:ea typeface="+mj-ea"/>
-                <a:cs typeface="+mj-cs"/>
-              </a:rPr>
-              <a:t>of</a:t>
-            </a:r>
-            <a:r>
-              <a:rPr lang="en-US" sz="8000" kern="1200" cap="all" dirty="0">
-                <a:ln w="3175" cmpd="sng">
-                  <a:noFill/>
-                </a:ln>
-                <a:solidFill>
-                  <a:schemeClr val="tx1"/>
-                </a:solidFill>
-                <a:effectLst/>
-                <a:latin typeface="Agency FB" panose="020B0503020202020204" pitchFamily="34" charset="0"/>
-                <a:ea typeface="+mj-ea"/>
-                <a:cs typeface="+mj-cs"/>
-              </a:rPr>
-              <a:t> </a:t>
-            </a:r>
-          </a:p>
-          <a:p>
-            <a:pPr algn="ctr">
-              <a:spcBef>
-                <a:spcPct val="0"/>
-              </a:spcBef>
-              <a:spcAft>
-                <a:spcPts val="600"/>
-              </a:spcAft>
-            </a:pPr>
-            <a:r>
-              <a:rPr lang="en-US" sz="8000" kern="1200" cap="all" dirty="0">
-                <a:ln w="3175" cmpd="sng">
-                  <a:noFill/>
-                </a:ln>
-                <a:solidFill>
-                  <a:srgbClr val="00B0F0"/>
-                </a:solidFill>
-                <a:effectLst/>
-                <a:latin typeface="Agency FB" panose="020B0503020202020204" pitchFamily="34" charset="0"/>
-                <a:ea typeface="+mj-ea"/>
-                <a:cs typeface="+mj-cs"/>
-              </a:rPr>
-              <a:t>Space</a:t>
-            </a:r>
-          </a:p>
-        </p:txBody>
-      </p:sp>
-      <p:sp>
-        <p:nvSpPr>
-          <p:cNvPr id="19" name="Freeform 21">
-            <a:extLst>
-              <a:ext uri="{FF2B5EF4-FFF2-40B4-BE49-F238E27FC236}">
-                <a16:creationId xmlns:a16="http://schemas.microsoft.com/office/drawing/2014/main" id="{5F87AF8A-8EA8-4CEA-96AD-F5948F654339}"/>
-              </a:ext>
-              <a:ext uri="{C183D7F6-B498-43B3-948B-1728B52AA6E4}">
-                <adec:decorative xmlns:adec="http://schemas.microsoft.com/office/drawing/2017/decorative" val="1"/>
-              </a:ext>
-            </a:extLst>
-          </p:cNvPr>
-          <p:cNvSpPr>
-            <a:spLocks noGrp="1" noRot="1" noChangeAspect="1" noMove="1" noResize="1" noEditPoints="1" noAdjustHandles="1" noChangeArrowheads="1" noChangeShapeType="1" noTextEdit="1"/>
-          </p:cNvSpPr>
-          <p:nvPr>
-            <p:extLst>
-              <p:ext uri="{386F3935-93C4-4BCD-93E2-E3B085C9AB24}">
-                <p16:designElem xmlns:p16="http://schemas.microsoft.com/office/powerpoint/2015/main" val="1"/>
-              </p:ext>
-            </p:extLst>
-          </p:nvPr>
-        </p:nvSpPr>
-        <p:spPr>
-          <a:xfrm>
-            <a:off x="798139" y="685800"/>
-            <a:ext cx="2492252" cy="1859119"/>
-          </a:xfrm>
-          <a:custGeom>
-            <a:avLst/>
-            <a:gdLst>
-              <a:gd name="connsiteX0" fmla="*/ 474471 w 2492252"/>
-              <a:gd name="connsiteY0" fmla="*/ 0 h 1859119"/>
-              <a:gd name="connsiteX1" fmla="*/ 2492252 w 2492252"/>
-              <a:gd name="connsiteY1" fmla="*/ 0 h 1859119"/>
-              <a:gd name="connsiteX2" fmla="*/ 2492252 w 2492252"/>
-              <a:gd name="connsiteY2" fmla="*/ 1859119 h 1859119"/>
-              <a:gd name="connsiteX3" fmla="*/ 0 w 2492252"/>
-              <a:gd name="connsiteY3" fmla="*/ 1859119 h 1859119"/>
-              <a:gd name="connsiteX4" fmla="*/ 0 w 2492252"/>
-              <a:gd name="connsiteY4" fmla="*/ 474471 h 1859119"/>
-            </a:gdLst>
-            <a:ahLst/>
-            <a:cxnLst>
-              <a:cxn ang="0">
-                <a:pos x="connsiteX0" y="connsiteY0"/>
-              </a:cxn>
-              <a:cxn ang="0">
-                <a:pos x="connsiteX1" y="connsiteY1"/>
-              </a:cxn>
-              <a:cxn ang="0">
-                <a:pos x="connsiteX2" y="connsiteY2"/>
-              </a:cxn>
-              <a:cxn ang="0">
-                <a:pos x="connsiteX3" y="connsiteY3"/>
-              </a:cxn>
-              <a:cxn ang="0">
-                <a:pos x="connsiteX4" y="connsiteY4"/>
-              </a:cxn>
-            </a:cxnLst>
-            <a:rect l="l" t="t" r="r" b="b"/>
-            <a:pathLst>
-              <a:path w="2492252" h="1859119">
-                <a:moveTo>
-                  <a:pt x="474471" y="0"/>
-                </a:moveTo>
-                <a:lnTo>
-                  <a:pt x="2492252" y="0"/>
-                </a:lnTo>
-                <a:lnTo>
-                  <a:pt x="2492252" y="1859119"/>
-                </a:lnTo>
-                <a:lnTo>
-                  <a:pt x="0" y="1859119"/>
-                </a:lnTo>
-                <a:lnTo>
-                  <a:pt x="0" y="474471"/>
-                </a:lnTo>
-                <a:close/>
-              </a:path>
-            </a:pathLst>
-          </a:custGeom>
-          <a:solidFill>
-            <a:schemeClr val="tx1"/>
-          </a:solidFill>
-          <a:ln>
-            <a:noFill/>
-          </a:ln>
-          <a:effectLst>
-            <a:innerShdw blurRad="57150" dist="38100" dir="14460000">
-              <a:prstClr val="black">
-                <a:alpha val="70000"/>
-              </a:prstClr>
-            </a:innerShdw>
-          </a:effectLst>
-        </p:spPr>
-        <p:style>
-          <a:lnRef idx="2">
-            <a:schemeClr val="accent1">
-              <a:shade val="50000"/>
-            </a:schemeClr>
-          </a:lnRef>
-          <a:fillRef idx="1">
-            <a:schemeClr val="accent1"/>
-          </a:fillRef>
-          <a:effectRef idx="0">
-            <a:schemeClr val="accent1"/>
-          </a:effectRef>
-          <a:fontRef idx="minor">
-            <a:schemeClr val="lt1"/>
-          </a:fontRef>
-        </p:style>
-        <p:txBody>
-          <a:bodyPr rtlCol="0" anchor="ctr"/>
-          <a:lstStyle/>
-          <a:p>
-            <a:pPr algn="ctr"/>
-            <a:endParaRPr lang="en-US"/>
-          </a:p>
-        </p:txBody>
-      </p:sp>
-      <p:pic>
-        <p:nvPicPr>
-          <p:cNvPr id="12" name="Bild 11" descr="Planet">
-            <a:extLst>
-              <a:ext uri="{FF2B5EF4-FFF2-40B4-BE49-F238E27FC236}">
-                <a16:creationId xmlns:a16="http://schemas.microsoft.com/office/drawing/2014/main" id="{433F6D6C-C0F1-40AD-AC3F-F705103B6D34}"/>
-              </a:ext>
-            </a:extLst>
-          </p:cNvPr>
-          <p:cNvPicPr>
-            <a:picLocks noChangeAspect="1"/>
-          </p:cNvPicPr>
-          <p:nvPr/>
-        </p:nvPicPr>
-        <p:blipFill>
-          <a:blip r:embed="rId2">
-            <a:extLst>
-              <a:ext uri="{28A0092B-C50C-407E-A947-70E740481C1C}">
-                <a14:useLocalDpi xmlns:a14="http://schemas.microsoft.com/office/drawing/2010/main" val="0"/>
-              </a:ext>
-              <a:ext uri="{96DAC541-7B7A-43D3-8B79-37D633B846F1}">
-                <asvg:svgBlip xmlns:asvg="http://schemas.microsoft.com/office/drawing/2016/SVG/main" r:embed="rId3"/>
-              </a:ext>
-            </a:extLst>
-          </a:blip>
-          <a:stretch>
-            <a:fillRect/>
-          </a:stretch>
-        </p:blipFill>
-        <p:spPr>
-          <a:xfrm>
-            <a:off x="1271542" y="852616"/>
-            <a:ext cx="1549429" cy="1549429"/>
-          </a:xfrm>
-          <a:custGeom>
-            <a:avLst/>
-            <a:gdLst>
-              <a:gd name="connsiteX0" fmla="*/ 369673 w 2164859"/>
-              <a:gd name="connsiteY0" fmla="*/ 0 h 1549429"/>
-              <a:gd name="connsiteX1" fmla="*/ 2164859 w 2164859"/>
-              <a:gd name="connsiteY1" fmla="*/ 0 h 1549429"/>
-              <a:gd name="connsiteX2" fmla="*/ 2164859 w 2164859"/>
-              <a:gd name="connsiteY2" fmla="*/ 1549429 h 1549429"/>
-              <a:gd name="connsiteX3" fmla="*/ 0 w 2164859"/>
-              <a:gd name="connsiteY3" fmla="*/ 1549429 h 1549429"/>
-              <a:gd name="connsiteX4" fmla="*/ 0 w 2164859"/>
-              <a:gd name="connsiteY4" fmla="*/ 380587 h 1549429"/>
-              <a:gd name="connsiteX5" fmla="*/ 369673 w 2164859"/>
-              <a:gd name="connsiteY5" fmla="*/ 2046 h 1549429"/>
-            </a:gdLst>
-            <a:ahLst/>
-            <a:cxnLst>
-              <a:cxn ang="0">
-                <a:pos x="connsiteX0" y="connsiteY0"/>
-              </a:cxn>
-              <a:cxn ang="0">
-                <a:pos x="connsiteX1" y="connsiteY1"/>
-              </a:cxn>
-              <a:cxn ang="0">
-                <a:pos x="connsiteX2" y="connsiteY2"/>
-              </a:cxn>
-              <a:cxn ang="0">
-                <a:pos x="connsiteX3" y="connsiteY3"/>
-              </a:cxn>
-              <a:cxn ang="0">
-                <a:pos x="connsiteX4" y="connsiteY4"/>
-              </a:cxn>
-              <a:cxn ang="0">
-                <a:pos x="connsiteX5" y="connsiteY5"/>
-              </a:cxn>
-            </a:cxnLst>
-            <a:rect l="l" t="t" r="r" b="b"/>
-            <a:pathLst>
-              <a:path w="2164859" h="1549429">
-                <a:moveTo>
-                  <a:pt x="369673" y="0"/>
-                </a:moveTo>
-                <a:lnTo>
-                  <a:pt x="2164859" y="0"/>
-                </a:lnTo>
-                <a:lnTo>
-                  <a:pt x="2164859" y="1549429"/>
-                </a:lnTo>
-                <a:lnTo>
-                  <a:pt x="0" y="1549429"/>
-                </a:lnTo>
-                <a:lnTo>
-                  <a:pt x="0" y="380587"/>
-                </a:lnTo>
-                <a:lnTo>
-                  <a:pt x="369673" y="2046"/>
-                </a:lnTo>
-                <a:close/>
-              </a:path>
-            </a:pathLst>
-          </a:custGeom>
-        </p:spPr>
-      </p:pic>
-      <p:sp>
-        <p:nvSpPr>
-          <p:cNvPr id="21" name="Rectangle 20">
-            <a:extLst>
-              <a:ext uri="{FF2B5EF4-FFF2-40B4-BE49-F238E27FC236}">
-                <a16:creationId xmlns:a16="http://schemas.microsoft.com/office/drawing/2014/main" id="{123BC648-7423-45AA-86AD-CCB847886BFB}"/>
-              </a:ext>
-              <a:ext uri="{C183D7F6-B498-43B3-948B-1728B52AA6E4}">
-                <adec:decorative xmlns:adec="http://schemas.microsoft.com/office/drawing/2017/decorative" val="1"/>
-              </a:ext>
-            </a:extLst>
-          </p:cNvPr>
-          <p:cNvSpPr>
-            <a:spLocks noGrp="1" noRot="1" noChangeAspect="1" noMove="1" noResize="1" noEditPoints="1" noAdjustHandles="1" noChangeArrowheads="1" noChangeShapeType="1" noTextEdit="1"/>
-          </p:cNvSpPr>
-          <p:nvPr>
-            <p:extLst>
-              <p:ext uri="{386F3935-93C4-4BCD-93E2-E3B085C9AB24}">
-                <p16:designElem xmlns:p16="http://schemas.microsoft.com/office/powerpoint/2015/main" val="1"/>
-              </p:ext>
-            </p:extLst>
-          </p:nvPr>
-        </p:nvSpPr>
-        <p:spPr>
-          <a:xfrm>
-            <a:off x="794964" y="2722720"/>
-            <a:ext cx="2495426" cy="3019443"/>
-          </a:xfrm>
-          <a:prstGeom prst="rect">
-            <a:avLst/>
-          </a:prstGeom>
-          <a:solidFill>
-            <a:schemeClr val="tx1"/>
-          </a:solidFill>
-          <a:ln>
-            <a:noFill/>
-          </a:ln>
-          <a:effectLst>
-            <a:innerShdw blurRad="57150" dist="38100" dir="14460000">
-              <a:prstClr val="black">
-                <a:alpha val="70000"/>
-              </a:prstClr>
-            </a:innerShdw>
-          </a:effectLst>
-        </p:spPr>
-        <p:style>
-          <a:lnRef idx="2">
-            <a:schemeClr val="accent1">
-              <a:shade val="50000"/>
-            </a:schemeClr>
-          </a:lnRef>
-          <a:fillRef idx="1">
-            <a:schemeClr val="accent1"/>
-          </a:fillRef>
-          <a:effectRef idx="0">
-            <a:schemeClr val="accent1"/>
-          </a:effectRef>
-          <a:fontRef idx="minor">
-            <a:schemeClr val="lt1"/>
-          </a:fontRef>
-        </p:style>
-        <p:txBody>
-          <a:bodyPr rtlCol="0" anchor="ctr"/>
-          <a:lstStyle/>
-          <a:p>
-            <a:pPr algn="ctr"/>
-            <a:endParaRPr lang="en-US"/>
-          </a:p>
-        </p:txBody>
-      </p:sp>
-      <p:pic>
-        <p:nvPicPr>
-          <p:cNvPr id="8" name="Bild 7" descr="Komet">
-            <a:extLst>
-              <a:ext uri="{FF2B5EF4-FFF2-40B4-BE49-F238E27FC236}">
-                <a16:creationId xmlns:a16="http://schemas.microsoft.com/office/drawing/2014/main" id="{8FE951FC-67B5-49F3-91BA-89D1A855FE66}"/>
-              </a:ext>
-            </a:extLst>
-          </p:cNvPr>
-          <p:cNvPicPr>
-            <a:picLocks noChangeAspect="1"/>
-          </p:cNvPicPr>
-          <p:nvPr/>
-        </p:nvPicPr>
-        <p:blipFill>
-          <a:blip r:embed="rId4">
-            <a:extLst>
-              <a:ext uri="{28A0092B-C50C-407E-A947-70E740481C1C}">
-                <a14:useLocalDpi xmlns:a14="http://schemas.microsoft.com/office/drawing/2010/main" val="0"/>
-              </a:ext>
-              <a:ext uri="{96DAC541-7B7A-43D3-8B79-37D633B846F1}">
-                <asvg:svgBlip xmlns:asvg="http://schemas.microsoft.com/office/drawing/2016/SVG/main" r:embed="rId5"/>
-              </a:ext>
-            </a:extLst>
-          </a:blip>
-          <a:stretch>
-            <a:fillRect/>
-          </a:stretch>
-        </p:blipFill>
-        <p:spPr>
-          <a:xfrm>
-            <a:off x="959113" y="3148877"/>
-            <a:ext cx="2167128" cy="2167128"/>
-          </a:xfrm>
-          <a:prstGeom prst="rect">
-            <a:avLst/>
-          </a:prstGeom>
-        </p:spPr>
-      </p:pic>
-      <p:sp>
-        <p:nvSpPr>
-          <p:cNvPr id="23" name="Rectangle 22">
-            <a:extLst>
-              <a:ext uri="{FF2B5EF4-FFF2-40B4-BE49-F238E27FC236}">
-                <a16:creationId xmlns:a16="http://schemas.microsoft.com/office/drawing/2014/main" id="{7F19E2D1-9FB8-4064-A391-659CB3ACD1F8}"/>
-              </a:ext>
-              <a:ext uri="{C183D7F6-B498-43B3-948B-1728B52AA6E4}">
-                <adec:decorative xmlns:adec="http://schemas.microsoft.com/office/drawing/2017/decorative" val="1"/>
-              </a:ext>
-            </a:extLst>
-          </p:cNvPr>
-          <p:cNvSpPr>
-            <a:spLocks noGrp="1" noRot="1" noChangeAspect="1" noMove="1" noResize="1" noEditPoints="1" noAdjustHandles="1" noChangeArrowheads="1" noChangeShapeType="1" noTextEdit="1"/>
-          </p:cNvSpPr>
-          <p:nvPr>
-            <p:extLst>
-              <p:ext uri="{386F3935-93C4-4BCD-93E2-E3B085C9AB24}">
-                <p16:designElem xmlns:p16="http://schemas.microsoft.com/office/powerpoint/2015/main" val="1"/>
-              </p:ext>
-            </p:extLst>
-          </p:nvPr>
-        </p:nvSpPr>
-        <p:spPr>
-          <a:xfrm>
-            <a:off x="3454529" y="685800"/>
-            <a:ext cx="2151487" cy="3222934"/>
-          </a:xfrm>
-          <a:prstGeom prst="rect">
-            <a:avLst/>
-          </a:prstGeom>
-          <a:solidFill>
-            <a:schemeClr val="tx1"/>
-          </a:solidFill>
-          <a:ln>
-            <a:noFill/>
-          </a:ln>
-          <a:effectLst>
-            <a:innerShdw blurRad="57150" dist="38100" dir="14460000">
-              <a:prstClr val="black">
-                <a:alpha val="70000"/>
-              </a:prstClr>
-            </a:innerShdw>
-          </a:effectLst>
-        </p:spPr>
-        <p:style>
-          <a:lnRef idx="2">
-            <a:schemeClr val="accent1">
-              <a:shade val="50000"/>
-            </a:schemeClr>
-          </a:lnRef>
-          <a:fillRef idx="1">
-            <a:schemeClr val="accent1"/>
-          </a:fillRef>
-          <a:effectRef idx="0">
-            <a:schemeClr val="accent1"/>
-          </a:effectRef>
-          <a:fontRef idx="minor">
-            <a:schemeClr val="lt1"/>
-          </a:fontRef>
-        </p:style>
-        <p:txBody>
-          <a:bodyPr rtlCol="0" anchor="ctr"/>
-          <a:lstStyle/>
-          <a:p>
-            <a:pPr algn="ctr"/>
-            <a:endParaRPr lang="en-US"/>
-          </a:p>
-        </p:txBody>
-      </p:sp>
-      <p:pic>
-        <p:nvPicPr>
-          <p:cNvPr id="6" name="Bild 5" descr="Raket">
-            <a:extLst>
-              <a:ext uri="{FF2B5EF4-FFF2-40B4-BE49-F238E27FC236}">
-                <a16:creationId xmlns:a16="http://schemas.microsoft.com/office/drawing/2014/main" id="{4C9B3221-5E30-4AF7-974F-214D0AEA809B}"/>
-              </a:ext>
-            </a:extLst>
-          </p:cNvPr>
-          <p:cNvPicPr>
-            <a:picLocks noChangeAspect="1"/>
-          </p:cNvPicPr>
-          <p:nvPr/>
-        </p:nvPicPr>
-        <p:blipFill>
-          <a:blip r:embed="rId6">
-            <a:extLst>
-              <a:ext uri="{28A0092B-C50C-407E-A947-70E740481C1C}">
-                <a14:useLocalDpi xmlns:a14="http://schemas.microsoft.com/office/drawing/2010/main" val="0"/>
-              </a:ext>
-              <a:ext uri="{96DAC541-7B7A-43D3-8B79-37D633B846F1}">
-                <asvg:svgBlip xmlns:asvg="http://schemas.microsoft.com/office/drawing/2016/SVG/main" r:embed="rId7"/>
-              </a:ext>
-            </a:extLst>
-          </a:blip>
-          <a:stretch>
-            <a:fillRect/>
-          </a:stretch>
-        </p:blipFill>
-        <p:spPr>
-          <a:xfrm>
-            <a:off x="3620444" y="1387439"/>
-            <a:ext cx="1819656" cy="1819656"/>
-          </a:xfrm>
-          <a:prstGeom prst="rect">
-            <a:avLst/>
-          </a:prstGeom>
-        </p:spPr>
-      </p:pic>
-      <p:sp>
-        <p:nvSpPr>
-          <p:cNvPr id="25" name="Snip Single Corner Rectangle 30">
-            <a:extLst>
-              <a:ext uri="{FF2B5EF4-FFF2-40B4-BE49-F238E27FC236}">
-                <a16:creationId xmlns:a16="http://schemas.microsoft.com/office/drawing/2014/main" id="{B44933CE-0343-4403-BDB2-BE660CCFB73F}"/>
-              </a:ext>
-              <a:ext uri="{C183D7F6-B498-43B3-948B-1728B52AA6E4}">
-                <adec:decorative xmlns:adec="http://schemas.microsoft.com/office/drawing/2017/decorative" val="1"/>
-              </a:ext>
-            </a:extLst>
-          </p:cNvPr>
-          <p:cNvSpPr>
-            <a:spLocks noGrp="1" noRot="1" noChangeAspect="1" noMove="1" noResize="1" noEditPoints="1" noAdjustHandles="1" noChangeArrowheads="1" noChangeShapeType="1" noTextEdit="1"/>
-          </p:cNvSpPr>
-          <p:nvPr>
-            <p:extLst>
-              <p:ext uri="{386F3935-93C4-4BCD-93E2-E3B085C9AB24}">
-                <p16:designElem xmlns:p16="http://schemas.microsoft.com/office/powerpoint/2015/main" val="1"/>
-              </p:ext>
-            </p:extLst>
-          </p:nvPr>
-        </p:nvSpPr>
-        <p:spPr>
-          <a:xfrm flipV="1">
-            <a:off x="3454529" y="4067175"/>
-            <a:ext cx="2151487" cy="1674988"/>
-          </a:xfrm>
-          <a:prstGeom prst="snip1Rect">
-            <a:avLst/>
-          </a:prstGeom>
-          <a:solidFill>
-            <a:schemeClr val="tx1"/>
-          </a:solidFill>
-          <a:ln>
-            <a:noFill/>
-          </a:ln>
-          <a:effectLst>
-            <a:innerShdw blurRad="57150" dist="38100" dir="6960000">
-              <a:prstClr val="black">
-                <a:alpha val="70000"/>
-              </a:prstClr>
-            </a:innerShdw>
-          </a:effectLst>
-        </p:spPr>
-        <p:style>
-          <a:lnRef idx="2">
-            <a:schemeClr val="accent1">
-              <a:shade val="50000"/>
-            </a:schemeClr>
-          </a:lnRef>
-          <a:fillRef idx="1">
-            <a:schemeClr val="accent1"/>
-          </a:fillRef>
-          <a:effectRef idx="0">
-            <a:schemeClr val="accent1"/>
-          </a:effectRef>
-          <a:fontRef idx="minor">
-            <a:schemeClr val="lt1"/>
-          </a:fontRef>
-        </p:style>
-        <p:txBody>
-          <a:bodyPr rtlCol="0" anchor="ctr"/>
-          <a:lstStyle/>
-          <a:p>
-            <a:pPr algn="ctr"/>
-            <a:endParaRPr lang="en-US"/>
-          </a:p>
-        </p:txBody>
-      </p:sp>
-      <p:pic>
-        <p:nvPicPr>
-          <p:cNvPr id="10" name="Bild 9" descr="Astronaut">
-            <a:extLst>
-              <a:ext uri="{FF2B5EF4-FFF2-40B4-BE49-F238E27FC236}">
-                <a16:creationId xmlns:a16="http://schemas.microsoft.com/office/drawing/2014/main" id="{BCDAABBC-8BDA-4677-9D99-4F3E50F47004}"/>
-              </a:ext>
-            </a:extLst>
-          </p:cNvPr>
-          <p:cNvPicPr>
-            <a:picLocks noChangeAspect="1"/>
-          </p:cNvPicPr>
-          <p:nvPr/>
-        </p:nvPicPr>
-        <p:blipFill>
-          <a:blip r:embed="rId8">
-            <a:extLst>
-              <a:ext uri="{28A0092B-C50C-407E-A947-70E740481C1C}">
-                <a14:useLocalDpi xmlns:a14="http://schemas.microsoft.com/office/drawing/2010/main" val="0"/>
-              </a:ext>
-              <a:ext uri="{96DAC541-7B7A-43D3-8B79-37D633B846F1}">
-                <asvg:svgBlip xmlns:asvg="http://schemas.microsoft.com/office/drawing/2016/SVG/main" r:embed="rId9"/>
-              </a:ext>
-            </a:extLst>
-          </a:blip>
-          <a:stretch>
-            <a:fillRect/>
-          </a:stretch>
-        </p:blipFill>
-        <p:spPr>
-          <a:xfrm>
-            <a:off x="3858188" y="4232585"/>
-            <a:ext cx="1344168" cy="1344168"/>
-          </a:xfrm>
-          <a:custGeom>
-            <a:avLst/>
-            <a:gdLst>
-              <a:gd name="connsiteX0" fmla="*/ 0 w 1819656"/>
-              <a:gd name="connsiteY0" fmla="*/ 0 h 1344168"/>
-              <a:gd name="connsiteX1" fmla="*/ 1819656 w 1819656"/>
-              <a:gd name="connsiteY1" fmla="*/ 0 h 1344168"/>
-              <a:gd name="connsiteX2" fmla="*/ 1819656 w 1819656"/>
-              <a:gd name="connsiteY2" fmla="*/ 1147108 h 1344168"/>
-              <a:gd name="connsiteX3" fmla="*/ 1622596 w 1819656"/>
-              <a:gd name="connsiteY3" fmla="*/ 1344168 h 1344168"/>
-              <a:gd name="connsiteX4" fmla="*/ 0 w 1819656"/>
-              <a:gd name="connsiteY4" fmla="*/ 1344168 h 1344168"/>
-            </a:gdLst>
-            <a:ahLst/>
-            <a:cxnLst>
-              <a:cxn ang="0">
-                <a:pos x="connsiteX0" y="connsiteY0"/>
-              </a:cxn>
-              <a:cxn ang="0">
-                <a:pos x="connsiteX1" y="connsiteY1"/>
-              </a:cxn>
-              <a:cxn ang="0">
-                <a:pos x="connsiteX2" y="connsiteY2"/>
-              </a:cxn>
-              <a:cxn ang="0">
-                <a:pos x="connsiteX3" y="connsiteY3"/>
-              </a:cxn>
-              <a:cxn ang="0">
-                <a:pos x="connsiteX4" y="connsiteY4"/>
-              </a:cxn>
-            </a:cxnLst>
-            <a:rect l="l" t="t" r="r" b="b"/>
-            <a:pathLst>
-              <a:path w="1819656" h="1344168">
-                <a:moveTo>
-                  <a:pt x="0" y="0"/>
-                </a:moveTo>
-                <a:lnTo>
-                  <a:pt x="1819656" y="0"/>
-                </a:lnTo>
-                <a:lnTo>
-                  <a:pt x="1819656" y="1147108"/>
-                </a:lnTo>
-                <a:lnTo>
-                  <a:pt x="1622596" y="1344168"/>
-                </a:lnTo>
-                <a:lnTo>
-                  <a:pt x="0" y="1344168"/>
-                </a:lnTo>
-                <a:close/>
-              </a:path>
-            </a:pathLst>
-          </a:custGeom>
-        </p:spPr>
-      </p:pic>
-      <p:grpSp>
-        <p:nvGrpSpPr>
-          <p:cNvPr id="27" name="Group 26">
-            <a:extLst>
-              <a:ext uri="{FF2B5EF4-FFF2-40B4-BE49-F238E27FC236}">
-                <a16:creationId xmlns:a16="http://schemas.microsoft.com/office/drawing/2014/main" id="{1B1B67D7-FA5D-4045-BDA9-C5077E894B53}"/>
-              </a:ext>
-              <a:ext uri="{C183D7F6-B498-43B3-948B-1728B52AA6E4}">
-                <adec:decorative xmlns:adec="http://schemas.microsoft.com/office/drawing/2017/decorative" val="1"/>
-              </a:ext>
-            </a:extLst>
-          </p:cNvPr>
-          <p:cNvGrpSpPr>
-            <a:grpSpLocks noGrp="1" noUngrp="1" noRot="1" noChangeAspect="1" noMove="1" noResize="1"/>
-          </p:cNvGrpSpPr>
-          <p:nvPr>
-            <p:extLst>
-              <p:ext uri="{386F3935-93C4-4BCD-93E2-E3B085C9AB24}">
-                <p16:designElem xmlns:p16="http://schemas.microsoft.com/office/powerpoint/2015/main" val="1"/>
-              </p:ext>
-            </p:extLst>
-          </p:nvPr>
-        </p:nvGrpSpPr>
-        <p:grpSpPr>
-          <a:xfrm>
-            <a:off x="9206969" y="2963333"/>
-            <a:ext cx="2981858" cy="3208867"/>
-            <a:chOff x="9206969" y="2963333"/>
-            <a:chExt cx="2981858" cy="3208867"/>
-          </a:xfrm>
-        </p:grpSpPr>
-        <p:cxnSp>
-          <p:nvCxnSpPr>
-            <p:cNvPr id="28" name="Straight Connector 27">
-              <a:extLst>
-                <a:ext uri="{FF2B5EF4-FFF2-40B4-BE49-F238E27FC236}">
-                  <a16:creationId xmlns:a16="http://schemas.microsoft.com/office/drawing/2014/main" id="{7BEEF48C-63CA-4BCD-9861-48833C8EF91A}"/>
-                </a:ext>
-                <a:ext uri="{C183D7F6-B498-43B3-948B-1728B52AA6E4}">
-                  <adec:decorative xmlns:adec="http://schemas.microsoft.com/office/drawing/2017/decorative" val="1"/>
-                </a:ext>
-              </a:extLst>
-            </p:cNvPr>
-            <p:cNvCxnSpPr/>
-            <p:nvPr>
-              <p:extLst>
-                <p:ext uri="{386F3935-93C4-4BCD-93E2-E3B085C9AB24}">
-                  <p16:designElem xmlns:p16="http://schemas.microsoft.com/office/powerpoint/2015/main" val="1"/>
-                </p:ext>
-              </p:extLst>
-            </p:nvPr>
-          </p:nvCxnSpPr>
-          <p:spPr>
-            <a:xfrm flipH="1">
-              <a:off x="11276012" y="2963333"/>
-              <a:ext cx="912814" cy="912812"/>
-            </a:xfrm>
-            <a:prstGeom prst="line">
-              <a:avLst/>
-            </a:prstGeom>
-            <a:ln w="9525">
-              <a:solidFill>
-                <a:schemeClr val="tx1"/>
-              </a:solidFill>
-            </a:ln>
-          </p:spPr>
-          <p:style>
-            <a:lnRef idx="2">
-              <a:schemeClr val="accent1"/>
-            </a:lnRef>
-            <a:fillRef idx="0">
-              <a:schemeClr val="accent1"/>
-            </a:fillRef>
-            <a:effectRef idx="1">
-              <a:schemeClr val="accent1"/>
-            </a:effectRef>
-            <a:fontRef idx="minor">
-              <a:schemeClr val="tx1"/>
-            </a:fontRef>
-          </p:style>
-        </p:cxnSp>
-        <p:cxnSp>
-          <p:nvCxnSpPr>
-            <p:cNvPr id="29" name="Straight Connector 28">
-              <a:extLst>
-                <a:ext uri="{FF2B5EF4-FFF2-40B4-BE49-F238E27FC236}">
-                  <a16:creationId xmlns:a16="http://schemas.microsoft.com/office/drawing/2014/main" id="{D1BBAF58-D34A-48A7-AE55-1B65FAAD8A88}"/>
-                </a:ext>
-                <a:ext uri="{C183D7F6-B498-43B3-948B-1728B52AA6E4}">
-                  <adec:decorative xmlns:adec="http://schemas.microsoft.com/office/drawing/2017/decorative" val="1"/>
-                </a:ext>
-              </a:extLst>
-            </p:cNvPr>
-            <p:cNvCxnSpPr/>
-            <p:nvPr>
-              <p:extLst>
-                <p:ext uri="{386F3935-93C4-4BCD-93E2-E3B085C9AB24}">
-                  <p16:designElem xmlns:p16="http://schemas.microsoft.com/office/powerpoint/2015/main" val="1"/>
-                </p:ext>
-              </p:extLst>
-            </p:nvPr>
-          </p:nvCxnSpPr>
-          <p:spPr>
-            <a:xfrm flipH="1">
-              <a:off x="9206969" y="3190344"/>
-              <a:ext cx="2981857" cy="2981856"/>
-            </a:xfrm>
-            <a:prstGeom prst="line">
-              <a:avLst/>
-            </a:prstGeom>
-            <a:ln w="9525">
-              <a:solidFill>
-                <a:schemeClr val="tx1"/>
-              </a:solidFill>
-            </a:ln>
-          </p:spPr>
-          <p:style>
-            <a:lnRef idx="2">
-              <a:schemeClr val="accent1"/>
-            </a:lnRef>
-            <a:fillRef idx="0">
-              <a:schemeClr val="accent1"/>
-            </a:fillRef>
-            <a:effectRef idx="1">
-              <a:schemeClr val="accent1"/>
-            </a:effectRef>
-            <a:fontRef idx="minor">
-              <a:schemeClr val="tx1"/>
-            </a:fontRef>
-          </p:style>
-        </p:cxnSp>
-        <p:cxnSp>
-          <p:nvCxnSpPr>
-            <p:cNvPr id="30" name="Straight Connector 29">
-              <a:extLst>
-                <a:ext uri="{FF2B5EF4-FFF2-40B4-BE49-F238E27FC236}">
-                  <a16:creationId xmlns:a16="http://schemas.microsoft.com/office/drawing/2014/main" id="{B2EB58C5-755F-4F23-8680-60B0A117C8C6}"/>
-                </a:ext>
-                <a:ext uri="{C183D7F6-B498-43B3-948B-1728B52AA6E4}">
-                  <adec:decorative xmlns:adec="http://schemas.microsoft.com/office/drawing/2017/decorative" val="1"/>
-                </a:ext>
-              </a:extLst>
-            </p:cNvPr>
-            <p:cNvCxnSpPr/>
-            <p:nvPr>
-              <p:extLst>
-                <p:ext uri="{386F3935-93C4-4BCD-93E2-E3B085C9AB24}">
-                  <p16:designElem xmlns:p16="http://schemas.microsoft.com/office/powerpoint/2015/main" val="1"/>
-                </p:ext>
-              </p:extLst>
-            </p:nvPr>
-          </p:nvCxnSpPr>
-          <p:spPr>
-            <a:xfrm flipH="1">
-              <a:off x="10292292" y="3285067"/>
-              <a:ext cx="1896534" cy="1896533"/>
-            </a:xfrm>
-            <a:prstGeom prst="line">
-              <a:avLst/>
-            </a:prstGeom>
-            <a:ln w="9525">
-              <a:solidFill>
-                <a:schemeClr val="tx1"/>
-              </a:solidFill>
-            </a:ln>
-          </p:spPr>
-          <p:style>
-            <a:lnRef idx="2">
-              <a:schemeClr val="accent1"/>
-            </a:lnRef>
-            <a:fillRef idx="0">
-              <a:schemeClr val="accent1"/>
-            </a:fillRef>
-            <a:effectRef idx="1">
-              <a:schemeClr val="accent1"/>
-            </a:effectRef>
-            <a:fontRef idx="minor">
-              <a:schemeClr val="tx1"/>
-            </a:fontRef>
-          </p:style>
-        </p:cxnSp>
-        <p:cxnSp>
-          <p:nvCxnSpPr>
-            <p:cNvPr id="31" name="Straight Connector 30">
-              <a:extLst>
-                <a:ext uri="{FF2B5EF4-FFF2-40B4-BE49-F238E27FC236}">
-                  <a16:creationId xmlns:a16="http://schemas.microsoft.com/office/drawing/2014/main" id="{04F47DFD-44F4-4AE2-90C3-8C77516D9185}"/>
-                </a:ext>
-                <a:ext uri="{C183D7F6-B498-43B3-948B-1728B52AA6E4}">
-                  <adec:decorative xmlns:adec="http://schemas.microsoft.com/office/drawing/2017/decorative" val="1"/>
-                </a:ext>
-              </a:extLst>
-            </p:cNvPr>
-            <p:cNvCxnSpPr/>
-            <p:nvPr>
-              <p:extLst>
-                <p:ext uri="{386F3935-93C4-4BCD-93E2-E3B085C9AB24}">
-                  <p16:designElem xmlns:p16="http://schemas.microsoft.com/office/powerpoint/2015/main" val="1"/>
-                </p:ext>
-              </p:extLst>
-            </p:nvPr>
-          </p:nvCxnSpPr>
-          <p:spPr>
-            <a:xfrm flipH="1">
-              <a:off x="10443103" y="3131080"/>
-              <a:ext cx="1745722" cy="1745720"/>
-            </a:xfrm>
-            <a:prstGeom prst="line">
-              <a:avLst/>
-            </a:prstGeom>
-            <a:ln w="28575">
-              <a:solidFill>
-                <a:schemeClr val="tx1"/>
-              </a:solidFill>
-            </a:ln>
-          </p:spPr>
-          <p:style>
-            <a:lnRef idx="2">
-              <a:schemeClr val="accent1"/>
-            </a:lnRef>
-            <a:fillRef idx="0">
-              <a:schemeClr val="accent1"/>
-            </a:fillRef>
-            <a:effectRef idx="1">
-              <a:schemeClr val="accent1"/>
-            </a:effectRef>
-            <a:fontRef idx="minor">
-              <a:schemeClr val="tx1"/>
-            </a:fontRef>
-          </p:style>
-        </p:cxnSp>
-        <p:cxnSp>
-          <p:nvCxnSpPr>
-            <p:cNvPr id="32" name="Straight Connector 31">
-              <a:extLst>
-                <a:ext uri="{FF2B5EF4-FFF2-40B4-BE49-F238E27FC236}">
-                  <a16:creationId xmlns:a16="http://schemas.microsoft.com/office/drawing/2014/main" id="{967110BA-FB23-4B71-BE10-48501C97A244}"/>
-                </a:ext>
-                <a:ext uri="{C183D7F6-B498-43B3-948B-1728B52AA6E4}">
-                  <adec:decorative xmlns:adec="http://schemas.microsoft.com/office/drawing/2017/decorative" val="1"/>
-                </a:ext>
-              </a:extLst>
-            </p:cNvPr>
-            <p:cNvCxnSpPr/>
-            <p:nvPr>
-              <p:extLst>
-                <p:ext uri="{386F3935-93C4-4BCD-93E2-E3B085C9AB24}">
-                  <p16:designElem xmlns:p16="http://schemas.microsoft.com/office/powerpoint/2015/main" val="1"/>
-                </p:ext>
-              </p:extLst>
-            </p:nvPr>
-          </p:nvCxnSpPr>
-          <p:spPr>
-            <a:xfrm flipH="1">
-              <a:off x="10918826" y="3683001"/>
-              <a:ext cx="1270001" cy="1269999"/>
-            </a:xfrm>
-            <a:prstGeom prst="line">
-              <a:avLst/>
-            </a:prstGeom>
-            <a:ln w="28575">
-              <a:solidFill>
-                <a:schemeClr val="tx1"/>
-              </a:solidFill>
-            </a:ln>
-          </p:spPr>
-          <p:style>
-            <a:lnRef idx="2">
-              <a:schemeClr val="accent1"/>
-            </a:lnRef>
-            <a:fillRef idx="0">
-              <a:schemeClr val="accent1"/>
-            </a:fillRef>
-            <a:effectRef idx="1">
-              <a:schemeClr val="accent1"/>
-            </a:effectRef>
-            <a:fontRef idx="minor">
-              <a:schemeClr val="tx1"/>
-            </a:fontRef>
-          </p:style>
-        </p:cxnSp>
-      </p:grpSp>
-    </p:spTree>
-    <p:extLst>
-      <p:ext uri="{BB962C8B-B14F-4D97-AF65-F5344CB8AC3E}">
-        <p14:creationId xmlns:p14="http://schemas.microsoft.com/office/powerpoint/2010/main" val="585190843"/>
-      </p:ext>
-    </p:extLst>
-  </p:cSld>
-  <p:clrMapOvr>
-    <a:masterClrMapping/>
-  </p:clrMapOvr>
-</p:sld>
-</file>
-
-<file path=ppt/slides/slide2.xml><?xml version="1.0" encoding="utf-8"?>
-<p:sld xmlns:a="http://schemas.openxmlformats.org/drawingml/2006/main" xmlns:r="http://schemas.openxmlformats.org/officeDocument/2006/relationships" xmlns:p="http://schemas.openxmlformats.org/presentationml/2006/main">
-  <p:cSld>
-    <p:bg>
-      <p:bgPr>
-        <a:gradFill rotWithShape="1">
-          <a:gsLst>
-            <a:gs pos="10000">
-              <a:schemeClr val="bg2">
-                <a:tint val="97000"/>
-                <a:hueMod val="92000"/>
-                <a:satMod val="169000"/>
-                <a:lumMod val="164000"/>
-              </a:schemeClr>
-            </a:gs>
-            <a:gs pos="100000">
-              <a:schemeClr val="bg2">
-                <a:shade val="96000"/>
-                <a:satMod val="120000"/>
-                <a:lumMod val="90000"/>
-              </a:schemeClr>
-            </a:gs>
-          </a:gsLst>
-          <a:lin ang="6120000" scaled="1"/>
-        </a:gradFill>
-        <a:effectLst/>
-      </p:bgPr>
-    </p:bg>
-    <p:spTree>
-      <p:nvGrpSpPr>
-        <p:cNvPr id="1" name=""/>
-        <p:cNvGrpSpPr/>
-        <p:nvPr/>
-      </p:nvGrpSpPr>
-      <p:grpSpPr>
-        <a:xfrm>
-          <a:off x="0" y="0"/>
-          <a:ext cx="0" cy="0"/>
-          <a:chOff x="0" y="0"/>
-          <a:chExt cx="0" cy="0"/>
-        </a:xfrm>
-      </p:grpSpPr>
-      <p:sp useBgFill="1">
-        <p:nvSpPr>
-          <p:cNvPr id="16" name="Rectangle 15">
-            <a:extLst>
-              <a:ext uri="{FF2B5EF4-FFF2-40B4-BE49-F238E27FC236}">
-                <a16:creationId xmlns:a16="http://schemas.microsoft.com/office/drawing/2014/main" id="{108DE2CE-9293-4FE4-8F06-2CDBDB4EA162}"/>
-              </a:ext>
-              <a:ext uri="{C183D7F6-B498-43B3-948B-1728B52AA6E4}">
-                <adec:decorative xmlns:adec="http://schemas.microsoft.com/office/drawing/2017/decorative" val="1"/>
-              </a:ext>
-            </a:extLst>
-          </p:cNvPr>
-          <p:cNvSpPr>
-            <a:spLocks noGrp="1" noRot="1" noChangeAspect="1" noMove="1" noResize="1" noEditPoints="1" noAdjustHandles="1" noChangeArrowheads="1" noChangeShapeType="1" noTextEdit="1"/>
-          </p:cNvSpPr>
-          <p:nvPr>
-            <p:extLst>
-              <p:ext uri="{386F3935-93C4-4BCD-93E2-E3B085C9AB24}">
-                <p16:designElem xmlns:p16="http://schemas.microsoft.com/office/powerpoint/2015/main" val="1"/>
-              </p:ext>
-            </p:extLst>
-          </p:nvPr>
-        </p:nvSpPr>
-        <p:spPr>
-          <a:xfrm>
-            <a:off x="0" y="0"/>
-            <a:ext cx="12192000" cy="6858000"/>
-          </a:xfrm>
-          <a:prstGeom prst="rect">
-            <a:avLst/>
-          </a:prstGeom>
-          <a:ln>
-            <a:noFill/>
-          </a:ln>
-        </p:spPr>
-        <p:style>
-          <a:lnRef idx="2">
-            <a:schemeClr val="accent1">
-              <a:shade val="50000"/>
-            </a:schemeClr>
-          </a:lnRef>
-          <a:fillRef idx="1">
-            <a:schemeClr val="accent1"/>
-          </a:fillRef>
-          <a:effectRef idx="0">
-            <a:schemeClr val="accent1"/>
-          </a:effectRef>
-          <a:fontRef idx="minor">
-            <a:schemeClr val="lt1"/>
-          </a:fontRef>
-        </p:style>
-        <p:txBody>
-          <a:bodyPr rtlCol="0" anchor="ctr"/>
-          <a:lstStyle/>
-          <a:p>
-            <a:pPr algn="ctr"/>
-            <a:endParaRPr lang="en-US"/>
-          </a:p>
-        </p:txBody>
-      </p:sp>
-      <p:sp>
-        <p:nvSpPr>
           <p:cNvPr id="3" name="Platshållare för innehåll 2">
             <a:extLst>
               <a:ext uri="{FF2B5EF4-FFF2-40B4-BE49-F238E27FC236}">
@@ -6622,7 +5502,7 @@
                   <a:schemeClr val="tx1"/>
                 </a:solidFill>
               </a:rPr>
-              <a:t>Polygon shapes</a:t>
+              <a:t>Textured Enemies</a:t>
             </a:r>
           </a:p>
           <a:p>
@@ -6632,7 +5512,7 @@
                   <a:schemeClr val="tx1"/>
                 </a:solidFill>
               </a:rPr>
-              <a:t>Textures</a:t>
+              <a:t>Animations</a:t>
             </a:r>
           </a:p>
           <a:p>
@@ -6662,7 +5542,7 @@
                   <a:schemeClr val="tx1"/>
                 </a:solidFill>
               </a:rPr>
-              <a:t>Timer</a:t>
+              <a:t>Platformer</a:t>
             </a:r>
           </a:p>
           <a:p>
@@ -6672,7 +5552,7 @@
                   <a:schemeClr val="tx1"/>
                 </a:solidFill>
               </a:rPr>
-              <a:t>Healthbar</a:t>
+              <a:t>Leveling</a:t>
             </a:r>
             <a:endParaRPr lang="en-GB" sz="2800" dirty="0">
               <a:solidFill>
@@ -6687,7 +5567,7 @@
                   <a:schemeClr val="tx1"/>
                 </a:solidFill>
               </a:rPr>
-              <a:t>Restart button</a:t>
+              <a:t>Simple Menu</a:t>
             </a:r>
           </a:p>
           <a:p>
@@ -6697,7 +5577,7 @@
                   <a:schemeClr val="tx1"/>
                 </a:solidFill>
               </a:rPr>
-              <a:t>Background</a:t>
+              <a:t>Moving Background</a:t>
             </a:r>
           </a:p>
         </p:txBody>
